--- a/ppt/IoT06-Bus.pptx
+++ b/ppt/IoT06-Bus.pptx
@@ -5,10 +5,10 @@
     <p:sldMasterId id="2147483653" r:id="rId1"/>
   </p:sldMasterIdLst>
   <p:notesMasterIdLst>
-    <p:notesMasterId r:id="rId18"/>
+    <p:notesMasterId r:id="rId22"/>
   </p:notesMasterIdLst>
   <p:handoutMasterIdLst>
-    <p:handoutMasterId r:id="rId19"/>
+    <p:handoutMasterId r:id="rId23"/>
   </p:handoutMasterIdLst>
   <p:sldIdLst>
     <p:sldId id="264" r:id="rId2"/>
@@ -22,11 +22,15 @@
     <p:sldId id="290" r:id="rId10"/>
     <p:sldId id="294" r:id="rId11"/>
     <p:sldId id="284" r:id="rId12"/>
-    <p:sldId id="295" r:id="rId13"/>
+    <p:sldId id="298" r:id="rId13"/>
     <p:sldId id="285" r:id="rId14"/>
-    <p:sldId id="292" r:id="rId15"/>
-    <p:sldId id="293" r:id="rId16"/>
-    <p:sldId id="296" r:id="rId17"/>
+    <p:sldId id="295" r:id="rId15"/>
+    <p:sldId id="297" r:id="rId16"/>
+    <p:sldId id="299" r:id="rId17"/>
+    <p:sldId id="292" r:id="rId18"/>
+    <p:sldId id="293" r:id="rId19"/>
+    <p:sldId id="296" r:id="rId20"/>
+    <p:sldId id="300" r:id="rId21"/>
   </p:sldIdLst>
   <p:sldSz cx="9144000" cy="6858000" type="screen4x3"/>
   <p:notesSz cx="6648450" cy="9782175"/>
@@ -4054,7 +4058,7 @@
           <p:cNvPr id="2" name="Titre 1">
             <a:extLst>
               <a:ext uri="{FF2B5EF4-FFF2-40B4-BE49-F238E27FC236}">
-                <a16:creationId xmlns:a16="http://schemas.microsoft.com/office/drawing/2014/main" id="{96BA1717-2CE0-FB8B-BD88-F1C2E500CF19}"/>
+                <a16:creationId xmlns:a16="http://schemas.microsoft.com/office/drawing/2014/main" id="{AA307E13-C1FE-5F93-2E20-65023D456124}"/>
               </a:ext>
             </a:extLst>
           </p:cNvPr>
@@ -4071,10 +4075,9 @@
           <a:lstStyle/>
           <a:p>
             <a:r>
-              <a:rPr lang="fr-FR" dirty="0" err="1"/>
-              <a:t>Uno</a:t>
-            </a:r>
-            <a:endParaRPr lang="fr-FR" dirty="0"/>
+              <a:rPr lang="fr-FR" dirty="0"/>
+              <a:t>Branchement</a:t>
+            </a:r>
           </a:p>
         </p:txBody>
       </p:sp>
@@ -4083,7 +4086,7 @@
           <p:cNvPr id="3" name="Espace réservé du contenu 2">
             <a:extLst>
               <a:ext uri="{FF2B5EF4-FFF2-40B4-BE49-F238E27FC236}">
-                <a16:creationId xmlns:a16="http://schemas.microsoft.com/office/drawing/2014/main" id="{420047EE-6451-6C5C-3D17-4B4427BDD490}"/>
+                <a16:creationId xmlns:a16="http://schemas.microsoft.com/office/drawing/2014/main" id="{B6FABC04-8983-9588-2C36-465E941D1524}"/>
               </a:ext>
             </a:extLst>
           </p:cNvPr>
@@ -4105,38 +4108,55 @@
       </p:sp>
       <p:pic>
         <p:nvPicPr>
-          <p:cNvPr id="5" name="Image 4">
+          <p:cNvPr id="4100" name="Picture 4" descr="Tuto BME280 : code arduino, librairie, branchement I2C / SPI">
             <a:extLst>
               <a:ext uri="{FF2B5EF4-FFF2-40B4-BE49-F238E27FC236}">
-                <a16:creationId xmlns:a16="http://schemas.microsoft.com/office/drawing/2014/main" id="{A4E3FAC6-A00C-CFC0-7A5A-EB8B298575E6}"/>
+                <a16:creationId xmlns:a16="http://schemas.microsoft.com/office/drawing/2014/main" id="{308AD1C1-61DF-6454-0E87-CFE7249E89F4}"/>
               </a:ext>
             </a:extLst>
           </p:cNvPr>
           <p:cNvPicPr>
-            <a:picLocks noChangeAspect="1"/>
+            <a:picLocks noChangeAspect="1" noChangeArrowheads="1"/>
           </p:cNvPicPr>
           <p:nvPr/>
         </p:nvPicPr>
         <p:blipFill>
-          <a:blip r:embed="rId2"/>
+          <a:blip r:embed="rId2">
+            <a:extLst>
+              <a:ext uri="{28A0092B-C50C-407E-A947-70E740481C1C}">
+                <a14:useLocalDpi xmlns:a14="http://schemas.microsoft.com/office/drawing/2010/main" val="0"/>
+              </a:ext>
+            </a:extLst>
+          </a:blip>
+          <a:srcRect/>
           <a:stretch>
             <a:fillRect/>
           </a:stretch>
         </p:blipFill>
-        <p:spPr>
+        <p:spPr bwMode="auto">
           <a:xfrm>
-            <a:off x="742415" y="1128391"/>
-            <a:ext cx="7659169" cy="4601217"/>
+            <a:off x="800100" y="952500"/>
+            <a:ext cx="7543800" cy="4953000"/>
           </a:xfrm>
           <a:prstGeom prst="rect">
             <a:avLst/>
           </a:prstGeom>
+          <a:noFill/>
+          <a:extLst>
+            <a:ext uri="{909E8E84-426E-40DD-AFC4-6F175D3DCCD1}">
+              <a14:hiddenFill xmlns:a14="http://schemas.microsoft.com/office/drawing/2010/main">
+                <a:solidFill>
+                  <a:srgbClr val="FFFFFF"/>
+                </a:solidFill>
+              </a14:hiddenFill>
+            </a:ext>
+          </a:extLst>
         </p:spPr>
       </p:pic>
     </p:spTree>
     <p:extLst>
       <p:ext uri="{BB962C8B-B14F-4D97-AF65-F5344CB8AC3E}">
-        <p14:creationId xmlns:p14="http://schemas.microsoft.com/office/powerpoint/2010/main" val="932755999"/>
+        <p14:creationId xmlns:p14="http://schemas.microsoft.com/office/powerpoint/2010/main" val="976800980"/>
       </p:ext>
     </p:extLst>
   </p:cSld>
@@ -4350,6 +4370,399 @@
           <p:cNvPr id="2" name="Titre 1">
             <a:extLst>
               <a:ext uri="{FF2B5EF4-FFF2-40B4-BE49-F238E27FC236}">
+                <a16:creationId xmlns:a16="http://schemas.microsoft.com/office/drawing/2014/main" id="{96BA1717-2CE0-FB8B-BD88-F1C2E500CF19}"/>
+              </a:ext>
+            </a:extLst>
+          </p:cNvPr>
+          <p:cNvSpPr>
+            <a:spLocks noGrp="1"/>
+          </p:cNvSpPr>
+          <p:nvPr>
+            <p:ph type="title"/>
+          </p:nvPr>
+        </p:nvSpPr>
+        <p:spPr/>
+        <p:txBody>
+          <a:bodyPr/>
+          <a:lstStyle/>
+          <a:p>
+            <a:r>
+              <a:rPr lang="fr-FR" dirty="0"/>
+              <a:t>Branchement I2C</a:t>
+            </a:r>
+          </a:p>
+        </p:txBody>
+      </p:sp>
+      <p:sp>
+        <p:nvSpPr>
+          <p:cNvPr id="3" name="Espace réservé du contenu 2">
+            <a:extLst>
+              <a:ext uri="{FF2B5EF4-FFF2-40B4-BE49-F238E27FC236}">
+                <a16:creationId xmlns:a16="http://schemas.microsoft.com/office/drawing/2014/main" id="{420047EE-6451-6C5C-3D17-4B4427BDD490}"/>
+              </a:ext>
+            </a:extLst>
+          </p:cNvPr>
+          <p:cNvSpPr>
+            <a:spLocks noGrp="1"/>
+          </p:cNvSpPr>
+          <p:nvPr>
+            <p:ph idx="1"/>
+          </p:nvPr>
+        </p:nvSpPr>
+        <p:spPr/>
+        <p:txBody>
+          <a:bodyPr/>
+          <a:lstStyle/>
+          <a:p>
+            <a:endParaRPr lang="fr-FR"/>
+          </a:p>
+        </p:txBody>
+      </p:sp>
+      <p:pic>
+        <p:nvPicPr>
+          <p:cNvPr id="1030" name="Picture 6" descr="I2C LCD on Arduino - Easily Setup and Control With An UNO">
+            <a:extLst>
+              <a:ext uri="{FF2B5EF4-FFF2-40B4-BE49-F238E27FC236}">
+                <a16:creationId xmlns:a16="http://schemas.microsoft.com/office/drawing/2014/main" id="{3C009796-C2D7-7937-F915-52354A40CA3E}"/>
+              </a:ext>
+            </a:extLst>
+          </p:cNvPr>
+          <p:cNvPicPr>
+            <a:picLocks noChangeAspect="1" noChangeArrowheads="1"/>
+          </p:cNvPicPr>
+          <p:nvPr/>
+        </p:nvPicPr>
+        <p:blipFill>
+          <a:blip r:embed="rId2">
+            <a:extLst>
+              <a:ext uri="{28A0092B-C50C-407E-A947-70E740481C1C}">
+                <a14:useLocalDpi xmlns:a14="http://schemas.microsoft.com/office/drawing/2010/main" val="0"/>
+              </a:ext>
+            </a:extLst>
+          </a:blip>
+          <a:srcRect/>
+          <a:stretch>
+            <a:fillRect/>
+          </a:stretch>
+        </p:blipFill>
+        <p:spPr bwMode="auto">
+          <a:xfrm>
+            <a:off x="-1948" y="1700808"/>
+            <a:ext cx="9147896" cy="3456384"/>
+          </a:xfrm>
+          <a:prstGeom prst="rect">
+            <a:avLst/>
+          </a:prstGeom>
+          <a:noFill/>
+          <a:extLst>
+            <a:ext uri="{909E8E84-426E-40DD-AFC4-6F175D3DCCD1}">
+              <a14:hiddenFill xmlns:a14="http://schemas.microsoft.com/office/drawing/2010/main">
+                <a:solidFill>
+                  <a:srgbClr val="FFFFFF"/>
+                </a:solidFill>
+              </a14:hiddenFill>
+            </a:ext>
+          </a:extLst>
+        </p:spPr>
+      </p:pic>
+    </p:spTree>
+    <p:extLst>
+      <p:ext uri="{BB962C8B-B14F-4D97-AF65-F5344CB8AC3E}">
+        <p14:creationId xmlns:p14="http://schemas.microsoft.com/office/powerpoint/2010/main" val="2038284782"/>
+      </p:ext>
+    </p:extLst>
+  </p:cSld>
+  <p:clrMapOvr>
+    <a:masterClrMapping/>
+  </p:clrMapOvr>
+</p:sld>
+</file>
+
+<file path=ppt/slides/slide15.xml><?xml version="1.0" encoding="utf-8"?>
+<p:sld xmlns:a="http://schemas.openxmlformats.org/drawingml/2006/main" xmlns:r="http://schemas.openxmlformats.org/officeDocument/2006/relationships" xmlns:p="http://schemas.openxmlformats.org/presentationml/2006/main">
+  <p:cSld>
+    <p:spTree>
+      <p:nvGrpSpPr>
+        <p:cNvPr id="1" name=""/>
+        <p:cNvGrpSpPr/>
+        <p:nvPr/>
+      </p:nvGrpSpPr>
+      <p:grpSpPr>
+        <a:xfrm>
+          <a:off x="0" y="0"/>
+          <a:ext cx="0" cy="0"/>
+          <a:chOff x="0" y="0"/>
+          <a:chExt cx="0" cy="0"/>
+        </a:xfrm>
+      </p:grpSpPr>
+      <p:sp>
+        <p:nvSpPr>
+          <p:cNvPr id="2" name="Titre 1">
+            <a:extLst>
+              <a:ext uri="{FF2B5EF4-FFF2-40B4-BE49-F238E27FC236}">
+                <a16:creationId xmlns:a16="http://schemas.microsoft.com/office/drawing/2014/main" id="{88639832-8660-45B4-AC1A-A987CD84A7F3}"/>
+              </a:ext>
+            </a:extLst>
+          </p:cNvPr>
+          <p:cNvSpPr>
+            <a:spLocks noGrp="1"/>
+          </p:cNvSpPr>
+          <p:nvPr>
+            <p:ph type="title"/>
+          </p:nvPr>
+        </p:nvSpPr>
+        <p:spPr/>
+        <p:txBody>
+          <a:bodyPr/>
+          <a:lstStyle/>
+          <a:p>
+            <a:r>
+              <a:rPr lang="fr-FR" dirty="0"/>
+              <a:t>Branchement sur le bus</a:t>
+            </a:r>
+          </a:p>
+        </p:txBody>
+      </p:sp>
+      <p:sp>
+        <p:nvSpPr>
+          <p:cNvPr id="3" name="Espace réservé du contenu 2">
+            <a:extLst>
+              <a:ext uri="{FF2B5EF4-FFF2-40B4-BE49-F238E27FC236}">
+                <a16:creationId xmlns:a16="http://schemas.microsoft.com/office/drawing/2014/main" id="{01BF7959-E3D2-BB17-8F1B-BD50ED9B6394}"/>
+              </a:ext>
+            </a:extLst>
+          </p:cNvPr>
+          <p:cNvSpPr>
+            <a:spLocks noGrp="1"/>
+          </p:cNvSpPr>
+          <p:nvPr>
+            <p:ph idx="1"/>
+          </p:nvPr>
+        </p:nvSpPr>
+        <p:spPr/>
+        <p:txBody>
+          <a:bodyPr/>
+          <a:lstStyle/>
+          <a:p>
+            <a:r>
+              <a:rPr lang="fr-FR" dirty="0"/>
+              <a:t>Il est possible de brancher plusieurs périphériques sur le bus</a:t>
+            </a:r>
+          </a:p>
+        </p:txBody>
+      </p:sp>
+      <p:pic>
+        <p:nvPicPr>
+          <p:cNvPr id="2050" name="Picture 2" descr="Arduino I2C Tutorial | Arduino Wire Library I2C Communication">
+            <a:extLst>
+              <a:ext uri="{FF2B5EF4-FFF2-40B4-BE49-F238E27FC236}">
+                <a16:creationId xmlns:a16="http://schemas.microsoft.com/office/drawing/2014/main" id="{45BA1B2F-2418-32EF-5D18-E3DB9FB31B94}"/>
+              </a:ext>
+            </a:extLst>
+          </p:cNvPr>
+          <p:cNvPicPr>
+            <a:picLocks noChangeAspect="1" noChangeArrowheads="1"/>
+          </p:cNvPicPr>
+          <p:nvPr/>
+        </p:nvPicPr>
+        <p:blipFill>
+          <a:blip r:embed="rId2">
+            <a:extLst>
+              <a:ext uri="{28A0092B-C50C-407E-A947-70E740481C1C}">
+                <a14:useLocalDpi xmlns:a14="http://schemas.microsoft.com/office/drawing/2010/main" val="0"/>
+              </a:ext>
+            </a:extLst>
+          </a:blip>
+          <a:srcRect/>
+          <a:stretch>
+            <a:fillRect/>
+          </a:stretch>
+        </p:blipFill>
+        <p:spPr bwMode="auto">
+          <a:xfrm>
+            <a:off x="1043608" y="2420888"/>
+            <a:ext cx="6588224" cy="3757346"/>
+          </a:xfrm>
+          <a:prstGeom prst="rect">
+            <a:avLst/>
+          </a:prstGeom>
+          <a:noFill/>
+          <a:extLst>
+            <a:ext uri="{909E8E84-426E-40DD-AFC4-6F175D3DCCD1}">
+              <a14:hiddenFill xmlns:a14="http://schemas.microsoft.com/office/drawing/2010/main">
+                <a:solidFill>
+                  <a:srgbClr val="FFFFFF"/>
+                </a:solidFill>
+              </a14:hiddenFill>
+            </a:ext>
+          </a:extLst>
+        </p:spPr>
+      </p:pic>
+    </p:spTree>
+    <p:extLst>
+      <p:ext uri="{BB962C8B-B14F-4D97-AF65-F5344CB8AC3E}">
+        <p14:creationId xmlns:p14="http://schemas.microsoft.com/office/powerpoint/2010/main" val="1934004831"/>
+      </p:ext>
+    </p:extLst>
+  </p:cSld>
+  <p:clrMapOvr>
+    <a:masterClrMapping/>
+  </p:clrMapOvr>
+</p:sld>
+</file>
+
+<file path=ppt/slides/slide16.xml><?xml version="1.0" encoding="utf-8"?>
+<p:sld xmlns:a="http://schemas.openxmlformats.org/drawingml/2006/main" xmlns:r="http://schemas.openxmlformats.org/officeDocument/2006/relationships" xmlns:p="http://schemas.openxmlformats.org/presentationml/2006/main">
+  <p:cSld>
+    <p:spTree>
+      <p:nvGrpSpPr>
+        <p:cNvPr id="1" name=""/>
+        <p:cNvGrpSpPr/>
+        <p:nvPr/>
+      </p:nvGrpSpPr>
+      <p:grpSpPr>
+        <a:xfrm>
+          <a:off x="0" y="0"/>
+          <a:ext cx="0" cy="0"/>
+          <a:chOff x="0" y="0"/>
+          <a:chExt cx="0" cy="0"/>
+        </a:xfrm>
+      </p:grpSpPr>
+      <p:sp>
+        <p:nvSpPr>
+          <p:cNvPr id="2" name="Titre 1">
+            <a:extLst>
+              <a:ext uri="{FF2B5EF4-FFF2-40B4-BE49-F238E27FC236}">
+                <a16:creationId xmlns:a16="http://schemas.microsoft.com/office/drawing/2014/main" id="{70E843E2-9469-1258-5A67-268564D44687}"/>
+              </a:ext>
+            </a:extLst>
+          </p:cNvPr>
+          <p:cNvSpPr>
+            <a:spLocks noGrp="1"/>
+          </p:cNvSpPr>
+          <p:nvPr>
+            <p:ph type="title"/>
+          </p:nvPr>
+        </p:nvSpPr>
+        <p:spPr/>
+        <p:txBody>
+          <a:bodyPr/>
+          <a:lstStyle/>
+          <a:p>
+            <a:r>
+              <a:rPr lang="fr-FR" dirty="0"/>
+              <a:t>Branchement</a:t>
+            </a:r>
+          </a:p>
+        </p:txBody>
+      </p:sp>
+      <p:sp>
+        <p:nvSpPr>
+          <p:cNvPr id="3" name="Espace réservé du contenu 2">
+            <a:extLst>
+              <a:ext uri="{FF2B5EF4-FFF2-40B4-BE49-F238E27FC236}">
+                <a16:creationId xmlns:a16="http://schemas.microsoft.com/office/drawing/2014/main" id="{1BE9F82C-B300-F237-EA73-F13E4FFE40C7}"/>
+              </a:ext>
+            </a:extLst>
+          </p:cNvPr>
+          <p:cNvSpPr>
+            <a:spLocks noGrp="1"/>
+          </p:cNvSpPr>
+          <p:nvPr>
+            <p:ph idx="1"/>
+          </p:nvPr>
+        </p:nvSpPr>
+        <p:spPr/>
+        <p:txBody>
+          <a:bodyPr/>
+          <a:lstStyle/>
+          <a:p>
+            <a:endParaRPr lang="fr-FR"/>
+          </a:p>
+        </p:txBody>
+      </p:sp>
+      <p:pic>
+        <p:nvPicPr>
+          <p:cNvPr id="5122" name="Picture 2" descr="BMP280: Measure Temperature, Pressure and Altitude | Arduino Project Hub">
+            <a:extLst>
+              <a:ext uri="{FF2B5EF4-FFF2-40B4-BE49-F238E27FC236}">
+                <a16:creationId xmlns:a16="http://schemas.microsoft.com/office/drawing/2014/main" id="{854A8CE9-93A0-6253-2256-D52ECBAB2426}"/>
+              </a:ext>
+            </a:extLst>
+          </p:cNvPr>
+          <p:cNvPicPr>
+            <a:picLocks noChangeAspect="1" noChangeArrowheads="1"/>
+          </p:cNvPicPr>
+          <p:nvPr/>
+        </p:nvPicPr>
+        <p:blipFill>
+          <a:blip r:embed="rId2">
+            <a:extLst>
+              <a:ext uri="{28A0092B-C50C-407E-A947-70E740481C1C}">
+                <a14:useLocalDpi xmlns:a14="http://schemas.microsoft.com/office/drawing/2010/main" val="0"/>
+              </a:ext>
+            </a:extLst>
+          </a:blip>
+          <a:srcRect/>
+          <a:stretch>
+            <a:fillRect/>
+          </a:stretch>
+        </p:blipFill>
+        <p:spPr bwMode="auto">
+          <a:xfrm>
+            <a:off x="0" y="1301750"/>
+            <a:ext cx="9144000" cy="4254500"/>
+          </a:xfrm>
+          <a:prstGeom prst="rect">
+            <a:avLst/>
+          </a:prstGeom>
+          <a:noFill/>
+          <a:extLst>
+            <a:ext uri="{909E8E84-426E-40DD-AFC4-6F175D3DCCD1}">
+              <a14:hiddenFill xmlns:a14="http://schemas.microsoft.com/office/drawing/2010/main">
+                <a:solidFill>
+                  <a:srgbClr val="FFFFFF"/>
+                </a:solidFill>
+              </a14:hiddenFill>
+            </a:ext>
+          </a:extLst>
+        </p:spPr>
+      </p:pic>
+    </p:spTree>
+    <p:extLst>
+      <p:ext uri="{BB962C8B-B14F-4D97-AF65-F5344CB8AC3E}">
+        <p14:creationId xmlns:p14="http://schemas.microsoft.com/office/powerpoint/2010/main" val="1870576441"/>
+      </p:ext>
+    </p:extLst>
+  </p:cSld>
+  <p:clrMapOvr>
+    <a:masterClrMapping/>
+  </p:clrMapOvr>
+</p:sld>
+</file>
+
+<file path=ppt/slides/slide17.xml><?xml version="1.0" encoding="utf-8"?>
+<p:sld xmlns:a="http://schemas.openxmlformats.org/drawingml/2006/main" xmlns:r="http://schemas.openxmlformats.org/officeDocument/2006/relationships" xmlns:p="http://schemas.openxmlformats.org/presentationml/2006/main">
+  <p:cSld>
+    <p:spTree>
+      <p:nvGrpSpPr>
+        <p:cNvPr id="1" name=""/>
+        <p:cNvGrpSpPr/>
+        <p:nvPr/>
+      </p:nvGrpSpPr>
+      <p:grpSpPr>
+        <a:xfrm>
+          <a:off x="0" y="0"/>
+          <a:ext cx="0" cy="0"/>
+          <a:chOff x="0" y="0"/>
+          <a:chExt cx="0" cy="0"/>
+        </a:xfrm>
+      </p:grpSpPr>
+      <p:sp>
+        <p:nvSpPr>
+          <p:cNvPr id="2" name="Titre 1">
+            <a:extLst>
+              <a:ext uri="{FF2B5EF4-FFF2-40B4-BE49-F238E27FC236}">
                 <a16:creationId xmlns:a16="http://schemas.microsoft.com/office/drawing/2014/main" id="{CC87917A-2F17-3A05-54A7-8AC5DE24D85E}"/>
               </a:ext>
             </a:extLst>
@@ -4470,7 +4883,7 @@
 </p:sld>
 </file>
 
-<file path=ppt/slides/slide15.xml><?xml version="1.0" encoding="utf-8"?>
+<file path=ppt/slides/slide18.xml><?xml version="1.0" encoding="utf-8"?>
 <p:sld xmlns:a="http://schemas.openxmlformats.org/drawingml/2006/main" xmlns:r="http://schemas.openxmlformats.org/officeDocument/2006/relationships" xmlns:p="http://schemas.openxmlformats.org/presentationml/2006/main">
   <p:cSld>
     <p:spTree>
@@ -4645,7 +5058,7 @@
 </p:sld>
 </file>
 
-<file path=ppt/slides/slide16.xml><?xml version="1.0" encoding="utf-8"?>
+<file path=ppt/slides/slide19.xml><?xml version="1.0" encoding="utf-8"?>
 <p:sld xmlns:a="http://schemas.openxmlformats.org/drawingml/2006/main" xmlns:r="http://schemas.openxmlformats.org/officeDocument/2006/relationships" xmlns:p="http://schemas.openxmlformats.org/presentationml/2006/main">
   <p:cSld>
     <p:spTree>
@@ -4921,6 +5334,136 @@
     <p:extLst>
       <p:ext uri="{BB962C8B-B14F-4D97-AF65-F5344CB8AC3E}">
         <p14:creationId xmlns:p14="http://schemas.microsoft.com/office/powerpoint/2010/main" val="3526286912"/>
+      </p:ext>
+    </p:extLst>
+  </p:cSld>
+  <p:clrMapOvr>
+    <a:masterClrMapping/>
+  </p:clrMapOvr>
+</p:sld>
+</file>
+
+<file path=ppt/slides/slide20.xml><?xml version="1.0" encoding="utf-8"?>
+<p:sld xmlns:a="http://schemas.openxmlformats.org/drawingml/2006/main" xmlns:r="http://schemas.openxmlformats.org/officeDocument/2006/relationships" xmlns:p="http://schemas.openxmlformats.org/presentationml/2006/main">
+  <p:cSld>
+    <p:spTree>
+      <p:nvGrpSpPr>
+        <p:cNvPr id="1" name=""/>
+        <p:cNvGrpSpPr/>
+        <p:nvPr/>
+      </p:nvGrpSpPr>
+      <p:grpSpPr>
+        <a:xfrm>
+          <a:off x="0" y="0"/>
+          <a:ext cx="0" cy="0"/>
+          <a:chOff x="0" y="0"/>
+          <a:chExt cx="0" cy="0"/>
+        </a:xfrm>
+      </p:grpSpPr>
+      <p:sp>
+        <p:nvSpPr>
+          <p:cNvPr id="2" name="Titre 1">
+            <a:extLst>
+              <a:ext uri="{FF2B5EF4-FFF2-40B4-BE49-F238E27FC236}">
+                <a16:creationId xmlns:a16="http://schemas.microsoft.com/office/drawing/2014/main" id="{2F2CFC3F-10E6-353F-913E-F165D183323A}"/>
+              </a:ext>
+            </a:extLst>
+          </p:cNvPr>
+          <p:cNvSpPr>
+            <a:spLocks noGrp="1"/>
+          </p:cNvSpPr>
+          <p:nvPr>
+            <p:ph type="title"/>
+          </p:nvPr>
+        </p:nvSpPr>
+        <p:spPr/>
+        <p:txBody>
+          <a:bodyPr/>
+          <a:lstStyle/>
+          <a:p>
+            <a:r>
+              <a:rPr lang="fr-FR" dirty="0"/>
+              <a:t>Serial</a:t>
+            </a:r>
+          </a:p>
+        </p:txBody>
+      </p:sp>
+      <p:sp>
+        <p:nvSpPr>
+          <p:cNvPr id="3" name="Espace réservé du contenu 2">
+            <a:extLst>
+              <a:ext uri="{FF2B5EF4-FFF2-40B4-BE49-F238E27FC236}">
+                <a16:creationId xmlns:a16="http://schemas.microsoft.com/office/drawing/2014/main" id="{AC6719E9-48B1-67BC-42A2-E0F812B49925}"/>
+              </a:ext>
+            </a:extLst>
+          </p:cNvPr>
+          <p:cNvSpPr>
+            <a:spLocks noGrp="1"/>
+          </p:cNvSpPr>
+          <p:nvPr>
+            <p:ph idx="1"/>
+          </p:nvPr>
+        </p:nvSpPr>
+        <p:spPr/>
+        <p:txBody>
+          <a:bodyPr/>
+          <a:lstStyle/>
+          <a:p>
+            <a:endParaRPr lang="fr-FR"/>
+          </a:p>
+        </p:txBody>
+      </p:sp>
+      <p:pic>
+        <p:nvPicPr>
+          <p:cNvPr id="6148" name="Picture 4" descr="Communiquez avec votre Arduino • AranaCorp">
+            <a:extLst>
+              <a:ext uri="{FF2B5EF4-FFF2-40B4-BE49-F238E27FC236}">
+                <a16:creationId xmlns:a16="http://schemas.microsoft.com/office/drawing/2014/main" id="{47656833-0CAA-4ECF-FF01-090AE9037770}"/>
+              </a:ext>
+            </a:extLst>
+          </p:cNvPr>
+          <p:cNvPicPr>
+            <a:picLocks noChangeAspect="1" noChangeArrowheads="1"/>
+          </p:cNvPicPr>
+          <p:nvPr/>
+        </p:nvPicPr>
+        <p:blipFill>
+          <a:blip r:embed="rId2">
+            <a:extLst>
+              <a:ext uri="{28A0092B-C50C-407E-A947-70E740481C1C}">
+                <a14:useLocalDpi xmlns:a14="http://schemas.microsoft.com/office/drawing/2010/main" val="0"/>
+              </a:ext>
+            </a:extLst>
+          </a:blip>
+          <a:srcRect/>
+          <a:stretch>
+            <a:fillRect/>
+          </a:stretch>
+        </p:blipFill>
+        <p:spPr bwMode="auto">
+          <a:xfrm>
+            <a:off x="0" y="1276350"/>
+            <a:ext cx="9144000" cy="4303713"/>
+          </a:xfrm>
+          <a:prstGeom prst="rect">
+            <a:avLst/>
+          </a:prstGeom>
+          <a:noFill/>
+          <a:extLst>
+            <a:ext uri="{909E8E84-426E-40DD-AFC4-6F175D3DCCD1}">
+              <a14:hiddenFill xmlns:a14="http://schemas.microsoft.com/office/drawing/2010/main">
+                <a:solidFill>
+                  <a:srgbClr val="FFFFFF"/>
+                </a:solidFill>
+              </a14:hiddenFill>
+            </a:ext>
+          </a:extLst>
+        </p:spPr>
+      </p:pic>
+    </p:spTree>
+    <p:extLst>
+      <p:ext uri="{BB962C8B-B14F-4D97-AF65-F5344CB8AC3E}">
+        <p14:creationId xmlns:p14="http://schemas.microsoft.com/office/powerpoint/2010/main" val="207942713"/>
       </p:ext>
     </p:extLst>
   </p:cSld>

--- a/ppt/IoT06-Bus.pptx
+++ b/ppt/IoT06-Bus.pptx
@@ -5,10 +5,10 @@
     <p:sldMasterId id="2147483653" r:id="rId1"/>
   </p:sldMasterIdLst>
   <p:notesMasterIdLst>
-    <p:notesMasterId r:id="rId22"/>
+    <p:notesMasterId r:id="rId23"/>
   </p:notesMasterIdLst>
   <p:handoutMasterIdLst>
-    <p:handoutMasterId r:id="rId23"/>
+    <p:handoutMasterId r:id="rId24"/>
   </p:handoutMasterIdLst>
   <p:sldIdLst>
     <p:sldId id="264" r:id="rId2"/>
@@ -20,17 +20,18 @@
     <p:sldId id="291" r:id="rId8"/>
     <p:sldId id="288" r:id="rId9"/>
     <p:sldId id="290" r:id="rId10"/>
-    <p:sldId id="294" r:id="rId11"/>
-    <p:sldId id="284" r:id="rId12"/>
-    <p:sldId id="298" r:id="rId13"/>
-    <p:sldId id="285" r:id="rId14"/>
-    <p:sldId id="295" r:id="rId15"/>
-    <p:sldId id="297" r:id="rId16"/>
-    <p:sldId id="299" r:id="rId17"/>
-    <p:sldId id="292" r:id="rId18"/>
-    <p:sldId id="293" r:id="rId19"/>
-    <p:sldId id="296" r:id="rId20"/>
-    <p:sldId id="300" r:id="rId21"/>
+    <p:sldId id="301" r:id="rId11"/>
+    <p:sldId id="294" r:id="rId12"/>
+    <p:sldId id="284" r:id="rId13"/>
+    <p:sldId id="298" r:id="rId14"/>
+    <p:sldId id="285" r:id="rId15"/>
+    <p:sldId id="295" r:id="rId16"/>
+    <p:sldId id="297" r:id="rId17"/>
+    <p:sldId id="299" r:id="rId18"/>
+    <p:sldId id="292" r:id="rId19"/>
+    <p:sldId id="293" r:id="rId20"/>
+    <p:sldId id="296" r:id="rId21"/>
+    <p:sldId id="300" r:id="rId22"/>
   </p:sldIdLst>
   <p:sldSz cx="9144000" cy="6858000" type="screen4x3"/>
   <p:notesSz cx="6648450" cy="9782175"/>
@@ -3766,6 +3767,136 @@
           <p:cNvPr id="2" name="Titre 1">
             <a:extLst>
               <a:ext uri="{FF2B5EF4-FFF2-40B4-BE49-F238E27FC236}">
+                <a16:creationId xmlns:a16="http://schemas.microsoft.com/office/drawing/2014/main" id="{D5DF5FA1-CF3C-D5FA-9FE8-4A2810A4A236}"/>
+              </a:ext>
+            </a:extLst>
+          </p:cNvPr>
+          <p:cNvSpPr>
+            <a:spLocks noGrp="1"/>
+          </p:cNvSpPr>
+          <p:nvPr>
+            <p:ph type="title"/>
+          </p:nvPr>
+        </p:nvSpPr>
+        <p:spPr/>
+        <p:txBody>
+          <a:bodyPr/>
+          <a:lstStyle/>
+          <a:p>
+            <a:r>
+              <a:rPr lang="fr-FR" dirty="0"/>
+              <a:t>Protocole I2C</a:t>
+            </a:r>
+          </a:p>
+        </p:txBody>
+      </p:sp>
+      <p:sp>
+        <p:nvSpPr>
+          <p:cNvPr id="3" name="Espace réservé du contenu 2">
+            <a:extLst>
+              <a:ext uri="{FF2B5EF4-FFF2-40B4-BE49-F238E27FC236}">
+                <a16:creationId xmlns:a16="http://schemas.microsoft.com/office/drawing/2014/main" id="{93CA8EEC-E370-296D-8DD4-6BA87BC1E928}"/>
+              </a:ext>
+            </a:extLst>
+          </p:cNvPr>
+          <p:cNvSpPr>
+            <a:spLocks noGrp="1"/>
+          </p:cNvSpPr>
+          <p:nvPr>
+            <p:ph idx="1"/>
+          </p:nvPr>
+        </p:nvSpPr>
+        <p:spPr/>
+        <p:txBody>
+          <a:bodyPr/>
+          <a:lstStyle/>
+          <a:p>
+            <a:endParaRPr lang="fr-FR"/>
+          </a:p>
+        </p:txBody>
+      </p:sp>
+      <p:pic>
+        <p:nvPicPr>
+          <p:cNvPr id="1026" name="Picture 2" descr="img">
+            <a:extLst>
+              <a:ext uri="{FF2B5EF4-FFF2-40B4-BE49-F238E27FC236}">
+                <a16:creationId xmlns:a16="http://schemas.microsoft.com/office/drawing/2014/main" id="{C2B61A84-7040-3DC2-0F0C-7D183081D149}"/>
+              </a:ext>
+            </a:extLst>
+          </p:cNvPr>
+          <p:cNvPicPr>
+            <a:picLocks noChangeAspect="1" noChangeArrowheads="1"/>
+          </p:cNvPicPr>
+          <p:nvPr/>
+        </p:nvPicPr>
+        <p:blipFill>
+          <a:blip r:embed="rId2" cstate="print">
+            <a:extLst>
+              <a:ext uri="{28A0092B-C50C-407E-A947-70E740481C1C}">
+                <a14:useLocalDpi xmlns:a14="http://schemas.microsoft.com/office/drawing/2010/main" val="0"/>
+              </a:ext>
+            </a:extLst>
+          </a:blip>
+          <a:srcRect/>
+          <a:stretch>
+            <a:fillRect/>
+          </a:stretch>
+        </p:blipFill>
+        <p:spPr bwMode="auto">
+          <a:xfrm>
+            <a:off x="0" y="1414357"/>
+            <a:ext cx="9144000" cy="5143500"/>
+          </a:xfrm>
+          <a:prstGeom prst="rect">
+            <a:avLst/>
+          </a:prstGeom>
+          <a:noFill/>
+          <a:extLst>
+            <a:ext uri="{909E8E84-426E-40DD-AFC4-6F175D3DCCD1}">
+              <a14:hiddenFill xmlns:a14="http://schemas.microsoft.com/office/drawing/2010/main">
+                <a:solidFill>
+                  <a:srgbClr val="FFFFFF"/>
+                </a:solidFill>
+              </a14:hiddenFill>
+            </a:ext>
+          </a:extLst>
+        </p:spPr>
+      </p:pic>
+    </p:spTree>
+    <p:extLst>
+      <p:ext uri="{BB962C8B-B14F-4D97-AF65-F5344CB8AC3E}">
+        <p14:creationId xmlns:p14="http://schemas.microsoft.com/office/powerpoint/2010/main" val="4056272825"/>
+      </p:ext>
+    </p:extLst>
+  </p:cSld>
+  <p:clrMapOvr>
+    <a:masterClrMapping/>
+  </p:clrMapOvr>
+</p:sld>
+</file>
+
+<file path=ppt/slides/slide11.xml><?xml version="1.0" encoding="utf-8"?>
+<p:sld xmlns:a="http://schemas.openxmlformats.org/drawingml/2006/main" xmlns:r="http://schemas.openxmlformats.org/officeDocument/2006/relationships" xmlns:p="http://schemas.openxmlformats.org/presentationml/2006/main">
+  <p:cSld>
+    <p:spTree>
+      <p:nvGrpSpPr>
+        <p:cNvPr id="1" name=""/>
+        <p:cNvGrpSpPr/>
+        <p:nvPr/>
+      </p:nvGrpSpPr>
+      <p:grpSpPr>
+        <a:xfrm>
+          <a:off x="0" y="0"/>
+          <a:ext cx="0" cy="0"/>
+          <a:chOff x="0" y="0"/>
+          <a:chExt cx="0" cy="0"/>
+        </a:xfrm>
+      </p:grpSpPr>
+      <p:sp>
+        <p:nvSpPr>
+          <p:cNvPr id="2" name="Titre 1">
+            <a:extLst>
+              <a:ext uri="{FF2B5EF4-FFF2-40B4-BE49-F238E27FC236}">
                 <a16:creationId xmlns:a16="http://schemas.microsoft.com/office/drawing/2014/main" id="{32944F62-F0B8-697C-761E-5F625F27C993}"/>
               </a:ext>
             </a:extLst>
@@ -3901,7 +4032,7 @@
 </p:sld>
 </file>
 
-<file path=ppt/slides/slide11.xml><?xml version="1.0" encoding="utf-8"?>
+<file path=ppt/slides/slide12.xml><?xml version="1.0" encoding="utf-8"?>
 <p:sld xmlns:a="http://schemas.openxmlformats.org/drawingml/2006/main" xmlns:r="http://schemas.openxmlformats.org/officeDocument/2006/relationships" xmlns:p="http://schemas.openxmlformats.org/presentationml/2006/main">
   <p:cSld>
     <p:spTree>
@@ -4036,7 +4167,7 @@
 </p:sld>
 </file>
 
-<file path=ppt/slides/slide12.xml><?xml version="1.0" encoding="utf-8"?>
+<file path=ppt/slides/slide13.xml><?xml version="1.0" encoding="utf-8"?>
 <p:sld xmlns:a="http://schemas.openxmlformats.org/drawingml/2006/main" xmlns:r="http://schemas.openxmlformats.org/officeDocument/2006/relationships" xmlns:p="http://schemas.openxmlformats.org/presentationml/2006/main">
   <p:cSld>
     <p:spTree>
@@ -4166,7 +4297,7 @@
 </p:sld>
 </file>
 
-<file path=ppt/slides/slide13.xml><?xml version="1.0" encoding="utf-8"?>
+<file path=ppt/slides/slide14.xml><?xml version="1.0" encoding="utf-8"?>
 <p:sld xmlns:a="http://schemas.openxmlformats.org/drawingml/2006/main" xmlns:r="http://schemas.openxmlformats.org/officeDocument/2006/relationships" xmlns:p="http://schemas.openxmlformats.org/presentationml/2006/main">
   <p:cSld>
     <p:spTree>
@@ -4348,7 +4479,7 @@
 </p:sld>
 </file>
 
-<file path=ppt/slides/slide14.xml><?xml version="1.0" encoding="utf-8"?>
+<file path=ppt/slides/slide15.xml><?xml version="1.0" encoding="utf-8"?>
 <p:sld xmlns:a="http://schemas.openxmlformats.org/drawingml/2006/main" xmlns:r="http://schemas.openxmlformats.org/officeDocument/2006/relationships" xmlns:p="http://schemas.openxmlformats.org/presentationml/2006/main">
   <p:cSld>
     <p:spTree>
@@ -4478,7 +4609,7 @@
 </p:sld>
 </file>
 
-<file path=ppt/slides/slide15.xml><?xml version="1.0" encoding="utf-8"?>
+<file path=ppt/slides/slide16.xml><?xml version="1.0" encoding="utf-8"?>
 <p:sld xmlns:a="http://schemas.openxmlformats.org/drawingml/2006/main" xmlns:r="http://schemas.openxmlformats.org/officeDocument/2006/relationships" xmlns:p="http://schemas.openxmlformats.org/presentationml/2006/main">
   <p:cSld>
     <p:spTree>
@@ -4611,7 +4742,7 @@
 </p:sld>
 </file>
 
-<file path=ppt/slides/slide16.xml><?xml version="1.0" encoding="utf-8"?>
+<file path=ppt/slides/slide17.xml><?xml version="1.0" encoding="utf-8"?>
 <p:sld xmlns:a="http://schemas.openxmlformats.org/drawingml/2006/main" xmlns:r="http://schemas.openxmlformats.org/officeDocument/2006/relationships" xmlns:p="http://schemas.openxmlformats.org/presentationml/2006/main">
   <p:cSld>
     <p:spTree>
@@ -4741,7 +4872,7 @@
 </p:sld>
 </file>
 
-<file path=ppt/slides/slide17.xml><?xml version="1.0" encoding="utf-8"?>
+<file path=ppt/slides/slide18.xml><?xml version="1.0" encoding="utf-8"?>
 <p:sld xmlns:a="http://schemas.openxmlformats.org/drawingml/2006/main" xmlns:r="http://schemas.openxmlformats.org/officeDocument/2006/relationships" xmlns:p="http://schemas.openxmlformats.org/presentationml/2006/main">
   <p:cSld>
     <p:spTree>
@@ -4883,7 +5014,7 @@
 </p:sld>
 </file>
 
-<file path=ppt/slides/slide18.xml><?xml version="1.0" encoding="utf-8"?>
+<file path=ppt/slides/slide19.xml><?xml version="1.0" encoding="utf-8"?>
 <p:sld xmlns:a="http://schemas.openxmlformats.org/drawingml/2006/main" xmlns:r="http://schemas.openxmlformats.org/officeDocument/2006/relationships" xmlns:p="http://schemas.openxmlformats.org/presentationml/2006/main">
   <p:cSld>
     <p:spTree>
@@ -5058,186 +5189,6 @@
 </p:sld>
 </file>
 
-<file path=ppt/slides/slide19.xml><?xml version="1.0" encoding="utf-8"?>
-<p:sld xmlns:a="http://schemas.openxmlformats.org/drawingml/2006/main" xmlns:r="http://schemas.openxmlformats.org/officeDocument/2006/relationships" xmlns:p="http://schemas.openxmlformats.org/presentationml/2006/main">
-  <p:cSld>
-    <p:spTree>
-      <p:nvGrpSpPr>
-        <p:cNvPr id="1" name=""/>
-        <p:cNvGrpSpPr/>
-        <p:nvPr/>
-      </p:nvGrpSpPr>
-      <p:grpSpPr>
-        <a:xfrm>
-          <a:off x="0" y="0"/>
-          <a:ext cx="0" cy="0"/>
-          <a:chOff x="0" y="0"/>
-          <a:chExt cx="0" cy="0"/>
-        </a:xfrm>
-      </p:grpSpPr>
-      <p:sp>
-        <p:nvSpPr>
-          <p:cNvPr id="2" name="Titre 1">
-            <a:extLst>
-              <a:ext uri="{FF2B5EF4-FFF2-40B4-BE49-F238E27FC236}">
-                <a16:creationId xmlns:a16="http://schemas.microsoft.com/office/drawing/2014/main" id="{6F50D49D-F7C7-B89E-6608-1A4A31602BE1}"/>
-              </a:ext>
-            </a:extLst>
-          </p:cNvPr>
-          <p:cNvSpPr>
-            <a:spLocks noGrp="1"/>
-          </p:cNvSpPr>
-          <p:nvPr>
-            <p:ph type="title"/>
-          </p:nvPr>
-        </p:nvSpPr>
-        <p:spPr/>
-        <p:txBody>
-          <a:bodyPr/>
-          <a:lstStyle/>
-          <a:p>
-            <a:r>
-              <a:rPr lang="fr-FR" dirty="0"/>
-              <a:t>Autres bus</a:t>
-            </a:r>
-          </a:p>
-        </p:txBody>
-      </p:sp>
-      <p:sp>
-        <p:nvSpPr>
-          <p:cNvPr id="3" name="Espace réservé du contenu 2">
-            <a:extLst>
-              <a:ext uri="{FF2B5EF4-FFF2-40B4-BE49-F238E27FC236}">
-                <a16:creationId xmlns:a16="http://schemas.microsoft.com/office/drawing/2014/main" id="{568BF851-DB02-58D2-437A-73464D24023A}"/>
-              </a:ext>
-            </a:extLst>
-          </p:cNvPr>
-          <p:cNvSpPr>
-            <a:spLocks noGrp="1"/>
-          </p:cNvSpPr>
-          <p:nvPr>
-            <p:ph idx="1"/>
-          </p:nvPr>
-        </p:nvSpPr>
-        <p:spPr/>
-        <p:txBody>
-          <a:bodyPr/>
-          <a:lstStyle/>
-          <a:p>
-            <a:r>
-              <a:rPr lang="fr-FR" dirty="0"/>
-              <a:t>D'autres bus peuvent être utilisés</a:t>
-            </a:r>
-          </a:p>
-          <a:p>
-            <a:r>
-              <a:rPr lang="fr-FR" dirty="0"/>
-              <a:t>ADC</a:t>
-            </a:r>
-          </a:p>
-          <a:p>
-            <a:pPr lvl="1"/>
-            <a:r>
-              <a:rPr lang="fr-FR" dirty="0" err="1"/>
-              <a:t>Analogic</a:t>
-            </a:r>
-            <a:r>
-              <a:rPr lang="fr-FR" dirty="0"/>
-              <a:t> Digital Converter</a:t>
-            </a:r>
-          </a:p>
-          <a:p>
-            <a:pPr lvl="1"/>
-            <a:r>
-              <a:rPr lang="fr-FR" dirty="0"/>
-              <a:t>Convertisseur analogique numérique</a:t>
-            </a:r>
-          </a:p>
-          <a:p>
-            <a:pPr lvl="1"/>
-            <a:r>
-              <a:rPr lang="fr-FR" dirty="0"/>
-              <a:t>Utilisé par le module Wifi (natif dans ESP32)</a:t>
-            </a:r>
-          </a:p>
-          <a:p>
-            <a:r>
-              <a:rPr lang="fr-FR" dirty="0"/>
-              <a:t>DAC</a:t>
-            </a:r>
-          </a:p>
-          <a:p>
-            <a:pPr lvl="1"/>
-            <a:r>
-              <a:rPr lang="fr-FR" dirty="0"/>
-              <a:t>Digital </a:t>
-            </a:r>
-            <a:r>
-              <a:rPr lang="fr-FR" dirty="0" err="1"/>
-              <a:t>Analogic</a:t>
-            </a:r>
-            <a:r>
-              <a:rPr lang="fr-FR" dirty="0"/>
-              <a:t> Converter</a:t>
-            </a:r>
-          </a:p>
-          <a:p>
-            <a:pPr lvl="1"/>
-            <a:r>
-              <a:rPr lang="fr-FR" dirty="0"/>
-              <a:t>Utilisé sur les cartes son (natif dans ESP32)</a:t>
-            </a:r>
-          </a:p>
-          <a:p>
-            <a:r>
-              <a:rPr lang="fr-FR" dirty="0"/>
-              <a:t>CAN</a:t>
-            </a:r>
-          </a:p>
-          <a:p>
-            <a:pPr lvl="1"/>
-            <a:r>
-              <a:rPr lang="fr-FR" dirty="0"/>
-              <a:t>Controller Area Network</a:t>
-            </a:r>
-          </a:p>
-          <a:p>
-            <a:pPr lvl="1"/>
-            <a:r>
-              <a:rPr lang="fr-FR" dirty="0"/>
-              <a:t>Industriel (</a:t>
-            </a:r>
-            <a:r>
-              <a:rPr lang="fr-FR" dirty="0" err="1"/>
-              <a:t>Bosh</a:t>
-            </a:r>
-            <a:r>
-              <a:rPr lang="fr-FR"/>
-              <a:t>)</a:t>
-            </a:r>
-            <a:endParaRPr lang="fr-FR" dirty="0"/>
-          </a:p>
-          <a:p>
-            <a:endParaRPr lang="fr-FR" dirty="0"/>
-          </a:p>
-          <a:p>
-            <a:endParaRPr lang="fr-FR" dirty="0"/>
-          </a:p>
-        </p:txBody>
-      </p:sp>
-    </p:spTree>
-    <p:extLst>
-      <p:ext uri="{BB962C8B-B14F-4D97-AF65-F5344CB8AC3E}">
-        <p14:creationId xmlns:p14="http://schemas.microsoft.com/office/powerpoint/2010/main" val="1262768152"/>
-      </p:ext>
-    </p:extLst>
-  </p:cSld>
-  <p:clrMapOvr>
-    <a:masterClrMapping/>
-  </p:clrMapOvr>
-</p:sld>
-</file>
-
 <file path=ppt/slides/slide2.xml><?xml version="1.0" encoding="utf-8"?>
 <p:sld xmlns:a="http://schemas.openxmlformats.org/drawingml/2006/main" xmlns:r="http://schemas.openxmlformats.org/officeDocument/2006/relationships" xmlns:p="http://schemas.openxmlformats.org/presentationml/2006/main">
   <p:cSld>
@@ -5344,6 +5295,186 @@
 </file>
 
 <file path=ppt/slides/slide20.xml><?xml version="1.0" encoding="utf-8"?>
+<p:sld xmlns:a="http://schemas.openxmlformats.org/drawingml/2006/main" xmlns:r="http://schemas.openxmlformats.org/officeDocument/2006/relationships" xmlns:p="http://schemas.openxmlformats.org/presentationml/2006/main">
+  <p:cSld>
+    <p:spTree>
+      <p:nvGrpSpPr>
+        <p:cNvPr id="1" name=""/>
+        <p:cNvGrpSpPr/>
+        <p:nvPr/>
+      </p:nvGrpSpPr>
+      <p:grpSpPr>
+        <a:xfrm>
+          <a:off x="0" y="0"/>
+          <a:ext cx="0" cy="0"/>
+          <a:chOff x="0" y="0"/>
+          <a:chExt cx="0" cy="0"/>
+        </a:xfrm>
+      </p:grpSpPr>
+      <p:sp>
+        <p:nvSpPr>
+          <p:cNvPr id="2" name="Titre 1">
+            <a:extLst>
+              <a:ext uri="{FF2B5EF4-FFF2-40B4-BE49-F238E27FC236}">
+                <a16:creationId xmlns:a16="http://schemas.microsoft.com/office/drawing/2014/main" id="{6F50D49D-F7C7-B89E-6608-1A4A31602BE1}"/>
+              </a:ext>
+            </a:extLst>
+          </p:cNvPr>
+          <p:cNvSpPr>
+            <a:spLocks noGrp="1"/>
+          </p:cNvSpPr>
+          <p:nvPr>
+            <p:ph type="title"/>
+          </p:nvPr>
+        </p:nvSpPr>
+        <p:spPr/>
+        <p:txBody>
+          <a:bodyPr/>
+          <a:lstStyle/>
+          <a:p>
+            <a:r>
+              <a:rPr lang="fr-FR" dirty="0"/>
+              <a:t>Autres bus</a:t>
+            </a:r>
+          </a:p>
+        </p:txBody>
+      </p:sp>
+      <p:sp>
+        <p:nvSpPr>
+          <p:cNvPr id="3" name="Espace réservé du contenu 2">
+            <a:extLst>
+              <a:ext uri="{FF2B5EF4-FFF2-40B4-BE49-F238E27FC236}">
+                <a16:creationId xmlns:a16="http://schemas.microsoft.com/office/drawing/2014/main" id="{568BF851-DB02-58D2-437A-73464D24023A}"/>
+              </a:ext>
+            </a:extLst>
+          </p:cNvPr>
+          <p:cNvSpPr>
+            <a:spLocks noGrp="1"/>
+          </p:cNvSpPr>
+          <p:nvPr>
+            <p:ph idx="1"/>
+          </p:nvPr>
+        </p:nvSpPr>
+        <p:spPr/>
+        <p:txBody>
+          <a:bodyPr/>
+          <a:lstStyle/>
+          <a:p>
+            <a:r>
+              <a:rPr lang="fr-FR" dirty="0"/>
+              <a:t>D'autres bus peuvent être utilisés</a:t>
+            </a:r>
+          </a:p>
+          <a:p>
+            <a:r>
+              <a:rPr lang="fr-FR" dirty="0"/>
+              <a:t>ADC</a:t>
+            </a:r>
+          </a:p>
+          <a:p>
+            <a:pPr lvl="1"/>
+            <a:r>
+              <a:rPr lang="fr-FR" dirty="0" err="1"/>
+              <a:t>Analogic</a:t>
+            </a:r>
+            <a:r>
+              <a:rPr lang="fr-FR" dirty="0"/>
+              <a:t> Digital Converter</a:t>
+            </a:r>
+          </a:p>
+          <a:p>
+            <a:pPr lvl="1"/>
+            <a:r>
+              <a:rPr lang="fr-FR" dirty="0"/>
+              <a:t>Convertisseur analogique numérique</a:t>
+            </a:r>
+          </a:p>
+          <a:p>
+            <a:pPr lvl="1"/>
+            <a:r>
+              <a:rPr lang="fr-FR" dirty="0"/>
+              <a:t>Utilisé par le module Wifi (natif dans ESP32)</a:t>
+            </a:r>
+          </a:p>
+          <a:p>
+            <a:r>
+              <a:rPr lang="fr-FR" dirty="0"/>
+              <a:t>DAC</a:t>
+            </a:r>
+          </a:p>
+          <a:p>
+            <a:pPr lvl="1"/>
+            <a:r>
+              <a:rPr lang="fr-FR" dirty="0"/>
+              <a:t>Digital </a:t>
+            </a:r>
+            <a:r>
+              <a:rPr lang="fr-FR" dirty="0" err="1"/>
+              <a:t>Analogic</a:t>
+            </a:r>
+            <a:r>
+              <a:rPr lang="fr-FR" dirty="0"/>
+              <a:t> Converter</a:t>
+            </a:r>
+          </a:p>
+          <a:p>
+            <a:pPr lvl="1"/>
+            <a:r>
+              <a:rPr lang="fr-FR" dirty="0"/>
+              <a:t>Utilisé sur les cartes son (natif dans ESP32)</a:t>
+            </a:r>
+          </a:p>
+          <a:p>
+            <a:r>
+              <a:rPr lang="fr-FR" dirty="0"/>
+              <a:t>CAN</a:t>
+            </a:r>
+          </a:p>
+          <a:p>
+            <a:pPr lvl="1"/>
+            <a:r>
+              <a:rPr lang="fr-FR" dirty="0"/>
+              <a:t>Controller Area Network</a:t>
+            </a:r>
+          </a:p>
+          <a:p>
+            <a:pPr lvl="1"/>
+            <a:r>
+              <a:rPr lang="fr-FR" dirty="0"/>
+              <a:t>Industriel (</a:t>
+            </a:r>
+            <a:r>
+              <a:rPr lang="fr-FR" dirty="0" err="1"/>
+              <a:t>Bosh</a:t>
+            </a:r>
+            <a:r>
+              <a:rPr lang="fr-FR"/>
+              <a:t>)</a:t>
+            </a:r>
+            <a:endParaRPr lang="fr-FR" dirty="0"/>
+          </a:p>
+          <a:p>
+            <a:endParaRPr lang="fr-FR" dirty="0"/>
+          </a:p>
+          <a:p>
+            <a:endParaRPr lang="fr-FR" dirty="0"/>
+          </a:p>
+        </p:txBody>
+      </p:sp>
+    </p:spTree>
+    <p:extLst>
+      <p:ext uri="{BB962C8B-B14F-4D97-AF65-F5344CB8AC3E}">
+        <p14:creationId xmlns:p14="http://schemas.microsoft.com/office/powerpoint/2010/main" val="1262768152"/>
+      </p:ext>
+    </p:extLst>
+  </p:cSld>
+  <p:clrMapOvr>
+    <a:masterClrMapping/>
+  </p:clrMapOvr>
+</p:sld>
+</file>
+
+<file path=ppt/slides/slide21.xml><?xml version="1.0" encoding="utf-8"?>
 <p:sld xmlns:a="http://schemas.openxmlformats.org/drawingml/2006/main" xmlns:r="http://schemas.openxmlformats.org/officeDocument/2006/relationships" xmlns:p="http://schemas.openxmlformats.org/presentationml/2006/main">
   <p:cSld>
     <p:spTree>
